--- a/documentation/Java training 27- JQuery.pptx
+++ b/documentation/Java training 27- JQuery.pptx
@@ -5,7 +5,7 @@
     <p:sldMasterId id="2147483660" r:id="rId1"/>
   </p:sldMasterIdLst>
   <p:notesMasterIdLst>
-    <p:notesMasterId r:id="rId7"/>
+    <p:notesMasterId r:id="rId10"/>
   </p:notesMasterIdLst>
   <p:sldIdLst>
     <p:sldId id="257" r:id="rId2"/>
@@ -13,6 +13,9 @@
     <p:sldId id="259" r:id="rId4"/>
     <p:sldId id="260" r:id="rId5"/>
     <p:sldId id="261" r:id="rId6"/>
+    <p:sldId id="266" r:id="rId7"/>
+    <p:sldId id="267" r:id="rId8"/>
+    <p:sldId id="268" r:id="rId9"/>
   </p:sldIdLst>
   <p:sldSz cx="9144000" cy="5143500" type="screen16x9"/>
   <p:notesSz cx="6858000" cy="9144000"/>
@@ -212,7 +215,7 @@
           <a:p>
             <a:fld id="{73A75711-008A-44DA-88BD-E3A055973083}" type="datetimeFigureOut">
               <a:rPr lang="hu-HU" smtClean="0"/>
-              <a:t>2015.10.15.</a:t>
+              <a:t>2015.10.17.</a:t>
             </a:fld>
             <a:endParaRPr lang="hu-HU"/>
           </a:p>
@@ -611,7 +614,7 @@
           <a:p>
             <a:fld id="{C6E8B002-83F0-41C5-A7B7-2819A96BD9B2}" type="datetimeFigureOut">
               <a:rPr lang="hu-HU" smtClean="0"/>
-              <a:t>2015.10.15.</a:t>
+              <a:t>2015.10.17.</a:t>
             </a:fld>
             <a:endParaRPr lang="hu-HU"/>
           </a:p>
@@ -781,7 +784,7 @@
           <a:p>
             <a:fld id="{C6E8B002-83F0-41C5-A7B7-2819A96BD9B2}" type="datetimeFigureOut">
               <a:rPr lang="hu-HU" smtClean="0"/>
-              <a:t>2015.10.15.</a:t>
+              <a:t>2015.10.17.</a:t>
             </a:fld>
             <a:endParaRPr lang="hu-HU"/>
           </a:p>
@@ -961,7 +964,7 @@
           <a:p>
             <a:fld id="{C6E8B002-83F0-41C5-A7B7-2819A96BD9B2}" type="datetimeFigureOut">
               <a:rPr lang="hu-HU" smtClean="0"/>
-              <a:t>2015.10.15.</a:t>
+              <a:t>2015.10.17.</a:t>
             </a:fld>
             <a:endParaRPr lang="hu-HU"/>
           </a:p>
@@ -1131,7 +1134,7 @@
           <a:p>
             <a:fld id="{C6E8B002-83F0-41C5-A7B7-2819A96BD9B2}" type="datetimeFigureOut">
               <a:rPr lang="hu-HU" smtClean="0"/>
-              <a:t>2015.10.15.</a:t>
+              <a:t>2015.10.17.</a:t>
             </a:fld>
             <a:endParaRPr lang="hu-HU"/>
           </a:p>
@@ -1375,7 +1378,7 @@
           <a:p>
             <a:fld id="{C6E8B002-83F0-41C5-A7B7-2819A96BD9B2}" type="datetimeFigureOut">
               <a:rPr lang="hu-HU" smtClean="0"/>
-              <a:t>2015.10.15.</a:t>
+              <a:t>2015.10.17.</a:t>
             </a:fld>
             <a:endParaRPr lang="hu-HU"/>
           </a:p>
@@ -1607,7 +1610,7 @@
           <a:p>
             <a:fld id="{C6E8B002-83F0-41C5-A7B7-2819A96BD9B2}" type="datetimeFigureOut">
               <a:rPr lang="hu-HU" smtClean="0"/>
-              <a:t>2015.10.15.</a:t>
+              <a:t>2015.10.17.</a:t>
             </a:fld>
             <a:endParaRPr lang="hu-HU"/>
           </a:p>
@@ -1974,7 +1977,7 @@
           <a:p>
             <a:fld id="{C6E8B002-83F0-41C5-A7B7-2819A96BD9B2}" type="datetimeFigureOut">
               <a:rPr lang="hu-HU" smtClean="0"/>
-              <a:t>2015.10.15.</a:t>
+              <a:t>2015.10.17.</a:t>
             </a:fld>
             <a:endParaRPr lang="hu-HU"/>
           </a:p>
@@ -2092,7 +2095,7 @@
           <a:p>
             <a:fld id="{C6E8B002-83F0-41C5-A7B7-2819A96BD9B2}" type="datetimeFigureOut">
               <a:rPr lang="hu-HU" smtClean="0"/>
-              <a:t>2015.10.15.</a:t>
+              <a:t>2015.10.17.</a:t>
             </a:fld>
             <a:endParaRPr lang="hu-HU"/>
           </a:p>
@@ -2187,7 +2190,7 @@
           <a:p>
             <a:fld id="{C6E8B002-83F0-41C5-A7B7-2819A96BD9B2}" type="datetimeFigureOut">
               <a:rPr lang="hu-HU" smtClean="0"/>
-              <a:t>2015.10.15.</a:t>
+              <a:t>2015.10.17.</a:t>
             </a:fld>
             <a:endParaRPr lang="hu-HU"/>
           </a:p>
@@ -2464,7 +2467,7 @@
           <a:p>
             <a:fld id="{C6E8B002-83F0-41C5-A7B7-2819A96BD9B2}" type="datetimeFigureOut">
               <a:rPr lang="hu-HU" smtClean="0"/>
-              <a:t>2015.10.15.</a:t>
+              <a:t>2015.10.17.</a:t>
             </a:fld>
             <a:endParaRPr lang="hu-HU"/>
           </a:p>
@@ -2721,7 +2724,7 @@
           <a:p>
             <a:fld id="{C6E8B002-83F0-41C5-A7B7-2819A96BD9B2}" type="datetimeFigureOut">
               <a:rPr lang="hu-HU" smtClean="0"/>
-              <a:t>2015.10.15.</a:t>
+              <a:t>2015.10.17.</a:t>
             </a:fld>
             <a:endParaRPr lang="hu-HU"/>
           </a:p>
@@ -2941,7 +2944,7 @@
           <a:p>
             <a:fld id="{C6E8B002-83F0-41C5-A7B7-2819A96BD9B2}" type="datetimeFigureOut">
               <a:rPr lang="hu-HU" smtClean="0"/>
-              <a:t>2015.10.15.</a:t>
+              <a:t>2015.10.17.</a:t>
             </a:fld>
             <a:endParaRPr lang="hu-HU"/>
           </a:p>
@@ -3384,15 +3387,9 @@
               <a:buNone/>
             </a:pPr>
             <a:r>
-              <a:rPr lang="hu-HU" dirty="0" err="1" smtClean="0"/>
-              <a:t>Ajax</a:t>
-            </a:r>
-            <a:endParaRPr lang="hu-HU" dirty="0" smtClean="0"/>
-          </a:p>
-          <a:p>
-            <a:pPr marL="0" indent="0" algn="ctr">
-              <a:buNone/>
-            </a:pPr>
+              <a:rPr lang="hu-HU" dirty="0" err="1"/>
+              <a:t>jQuery</a:t>
+            </a:r>
             <a:endParaRPr lang="hu-HU" dirty="0"/>
           </a:p>
         </p:txBody>
@@ -3446,7 +3443,7 @@
         </p:nvSpPr>
         <p:spPr>
           <a:xfrm>
-            <a:off x="628650" y="496266"/>
+            <a:off x="628650" y="506319"/>
             <a:ext cx="7886700" cy="994172"/>
           </a:xfrm>
         </p:spPr>
@@ -3458,65 +3455,84 @@
           <a:p>
             <a:r>
               <a:rPr lang="hu-HU" dirty="0" err="1" smtClean="0"/>
+              <a:t>jQuery</a:t>
+            </a:r>
+            <a:endParaRPr lang="hu-HU" dirty="0"/>
+          </a:p>
+        </p:txBody>
+      </p:sp>
+      <p:sp>
+        <p:nvSpPr>
+          <p:cNvPr id="3" name="Tartalom helye 2"/>
+          <p:cNvSpPr>
+            <a:spLocks noGrp="1"/>
+          </p:cNvSpPr>
+          <p:nvPr>
+            <p:ph idx="1"/>
+          </p:nvPr>
+        </p:nvSpPr>
+        <p:spPr/>
+        <p:txBody>
+          <a:bodyPr>
+            <a:normAutofit fontScale="92500" lnSpcReduction="20000"/>
+          </a:bodyPr>
+          <a:lstStyle/>
+          <a:p>
+            <a:r>
+              <a:rPr lang="hu-HU" dirty="0"/>
+              <a:t>JavaScript </a:t>
+            </a:r>
+            <a:r>
+              <a:rPr lang="hu-HU" dirty="0" err="1" smtClean="0"/>
+              <a:t>library</a:t>
+            </a:r>
+            <a:endParaRPr lang="hu-HU" dirty="0" smtClean="0"/>
+          </a:p>
+          <a:p>
+            <a:r>
+              <a:rPr lang="hu-HU" dirty="0" smtClean="0"/>
+              <a:t>Gyors,kicsi, egyszerűbb</a:t>
+            </a:r>
+          </a:p>
+          <a:p>
+            <a:r>
+              <a:rPr lang="hu-HU" dirty="0" smtClean="0"/>
+              <a:t>Gazdag funkcionalitás</a:t>
+            </a:r>
+          </a:p>
+          <a:p>
+            <a:r>
+              <a:rPr lang="hu-HU" dirty="0" err="1" smtClean="0"/>
+              <a:t>Pluginolt</a:t>
+            </a:r>
+            <a:endParaRPr lang="hu-HU" dirty="0" smtClean="0"/>
+          </a:p>
+          <a:p>
+            <a:r>
+              <a:rPr lang="hu-HU" dirty="0" smtClean="0"/>
+              <a:t>DOM bejárás és manipuláció</a:t>
+            </a:r>
+          </a:p>
+          <a:p>
+            <a:r>
+              <a:rPr lang="hu-HU" dirty="0" smtClean="0"/>
+              <a:t>Eseménykezelés</a:t>
+            </a:r>
+          </a:p>
+          <a:p>
+            <a:r>
+              <a:rPr lang="hu-HU" dirty="0" smtClean="0"/>
+              <a:t>Animáció</a:t>
+            </a:r>
+          </a:p>
+          <a:p>
+            <a:r>
+              <a:rPr lang="hu-HU" dirty="0" err="1" smtClean="0"/>
               <a:t>Ajax</a:t>
             </a:r>
-            <a:endParaRPr lang="hu-HU" dirty="0"/>
-          </a:p>
-        </p:txBody>
-      </p:sp>
-      <p:sp>
-        <p:nvSpPr>
-          <p:cNvPr id="3" name="Tartalom helye 2"/>
-          <p:cNvSpPr>
-            <a:spLocks noGrp="1"/>
-          </p:cNvSpPr>
-          <p:nvPr>
-            <p:ph idx="1"/>
-          </p:nvPr>
-        </p:nvSpPr>
-        <p:spPr/>
-        <p:txBody>
-          <a:bodyPr/>
-          <a:lstStyle/>
-          <a:p>
-            <a:r>
-              <a:rPr lang="hu-HU" dirty="0" err="1"/>
-              <a:t>Asynchronous</a:t>
-            </a:r>
-            <a:r>
-              <a:rPr lang="hu-HU" dirty="0"/>
-              <a:t> JavaScript and </a:t>
-            </a:r>
-            <a:r>
-              <a:rPr lang="hu-HU" dirty="0" smtClean="0"/>
-              <a:t>XML</a:t>
-            </a:r>
-          </a:p>
-          <a:p>
-            <a:r>
-              <a:rPr lang="hu-HU" dirty="0" smtClean="0"/>
-              <a:t>Részleges frissítés</a:t>
-            </a:r>
-          </a:p>
-          <a:p>
-            <a:r>
-              <a:rPr lang="hu-HU" dirty="0" smtClean="0"/>
-              <a:t>Nem kell </a:t>
-            </a:r>
-            <a:r>
-              <a:rPr lang="hu-HU" dirty="0"/>
-              <a:t>újratölteni </a:t>
-            </a:r>
-            <a:r>
-              <a:rPr lang="hu-HU" dirty="0" smtClean="0"/>
-              <a:t>az egész oldalt</a:t>
-            </a:r>
-          </a:p>
-          <a:p>
-            <a:r>
-              <a:rPr lang="hu-HU" dirty="0" smtClean="0"/>
-              <a:t>Növeli az interaktivitást</a:t>
-            </a:r>
+            <a:endParaRPr lang="hu-HU" dirty="0" smtClean="0"/>
+          </a:p>
+          <a:p>
             <a:endParaRPr lang="hu-HU" dirty="0"/>
           </a:p>
         </p:txBody>
@@ -3524,7 +3540,7 @@
     </p:spTree>
     <p:extLst>
       <p:ext uri="{BB962C8B-B14F-4D97-AF65-F5344CB8AC3E}">
-        <p14:creationId xmlns:p14="http://schemas.microsoft.com/office/powerpoint/2010/main" val="2420507053"/>
+        <p14:creationId xmlns:p14="http://schemas.microsoft.com/office/powerpoint/2010/main" val="2905307345"/>
       </p:ext>
     </p:extLst>
   </p:cSld>
@@ -3570,55 +3586,125 @@
         </p:nvSpPr>
         <p:spPr>
           <a:xfrm>
-            <a:off x="603936" y="520980"/>
+            <a:off x="628650" y="568313"/>
             <a:ext cx="7886700" cy="994172"/>
           </a:xfrm>
         </p:spPr>
         <p:txBody>
-          <a:bodyPr/>
-          <a:lstStyle/>
-          <a:p>
-            <a:r>
-              <a:rPr lang="hu-HU" dirty="0" err="1" smtClean="0"/>
-              <a:t>Ajax</a:t>
-            </a:r>
+          <a:bodyPr>
+            <a:normAutofit/>
+          </a:bodyPr>
+          <a:lstStyle/>
+          <a:p>
+            <a:r>
+              <a:rPr lang="hu-HU" dirty="0"/>
+              <a:t>CSS szelektor</a:t>
+            </a:r>
+          </a:p>
+        </p:txBody>
+      </p:sp>
+      <p:sp>
+        <p:nvSpPr>
+          <p:cNvPr id="3" name="Tartalom helye 2"/>
+          <p:cNvSpPr>
+            <a:spLocks noGrp="1"/>
+          </p:cNvSpPr>
+          <p:nvPr>
+            <p:ph idx="1"/>
+          </p:nvPr>
+        </p:nvSpPr>
+        <p:spPr/>
+        <p:txBody>
+          <a:bodyPr/>
+          <a:lstStyle/>
+          <a:p>
+            <a:r>
+              <a:rPr lang="hu-HU" dirty="0"/>
+              <a:t>“#</a:t>
+            </a:r>
+            <a:r>
+              <a:rPr lang="hu-HU" dirty="0" err="1"/>
+              <a:t>id</a:t>
+            </a:r>
+            <a:r>
+              <a:rPr lang="hu-HU" dirty="0" smtClean="0"/>
+              <a:t>”</a:t>
+            </a:r>
+          </a:p>
+          <a:p>
+            <a:r>
+              <a:rPr lang="hu-HU" dirty="0" smtClean="0"/>
+              <a:t>“.</a:t>
+            </a:r>
+            <a:r>
+              <a:rPr lang="hu-HU" dirty="0" err="1"/>
+              <a:t>class</a:t>
+            </a:r>
+            <a:r>
+              <a:rPr lang="hu-HU" dirty="0" smtClean="0"/>
+              <a:t>”</a:t>
+            </a:r>
+          </a:p>
+          <a:p>
+            <a:r>
+              <a:rPr lang="hu-HU" dirty="0"/>
+              <a:t>“</a:t>
+            </a:r>
+            <a:r>
+              <a:rPr lang="hu-HU" dirty="0" err="1"/>
+              <a:t>element</a:t>
+            </a:r>
+            <a:r>
+              <a:rPr lang="hu-HU" dirty="0" smtClean="0"/>
+              <a:t>”</a:t>
+            </a:r>
+          </a:p>
+          <a:p>
+            <a:r>
+              <a:rPr lang="hu-HU" dirty="0"/>
+              <a:t>[</a:t>
+            </a:r>
+            <a:r>
+              <a:rPr lang="hu-HU" dirty="0" err="1"/>
+              <a:t>name</a:t>
+            </a:r>
+            <a:r>
+              <a:rPr lang="hu-HU" dirty="0"/>
+              <a:t>="</a:t>
+            </a:r>
+            <a:r>
+              <a:rPr lang="hu-HU" dirty="0" err="1"/>
+              <a:t>value</a:t>
+            </a:r>
+            <a:r>
+              <a:rPr lang="hu-HU" dirty="0" smtClean="0"/>
+              <a:t>"]</a:t>
+            </a:r>
+          </a:p>
+          <a:p>
+            <a:r>
+              <a:rPr lang="hu-HU" dirty="0"/>
+              <a:t>:</a:t>
+            </a:r>
+            <a:r>
+              <a:rPr lang="hu-HU" dirty="0" err="1"/>
+              <a:t>enabled</a:t>
+            </a:r>
+            <a:r>
+              <a:rPr lang="hu-HU" dirty="0"/>
+              <a:t> </a:t>
+            </a:r>
+            <a:endParaRPr lang="hu-HU" dirty="0" smtClean="0"/>
+          </a:p>
+          <a:p>
             <a:endParaRPr lang="hu-HU" dirty="0"/>
           </a:p>
         </p:txBody>
       </p:sp>
-      <p:pic>
-        <p:nvPicPr>
-          <p:cNvPr id="4" name="Tartalom helye 3"/>
-          <p:cNvPicPr>
-            <a:picLocks noGrp="1" noChangeAspect="1"/>
-          </p:cNvPicPr>
-          <p:nvPr>
-            <p:ph idx="1"/>
-          </p:nvPr>
-        </p:nvPicPr>
-        <p:blipFill>
-          <a:blip r:embed="rId2">
-            <a:extLst>
-              <a:ext uri="{28A0092B-C50C-407E-A947-70E740481C1C}">
-                <a14:useLocalDpi xmlns:a14="http://schemas.microsoft.com/office/drawing/2010/main" val="0"/>
-              </a:ext>
-            </a:extLst>
-          </a:blip>
-          <a:stretch>
-            <a:fillRect/>
-          </a:stretch>
-        </p:blipFill>
-        <p:spPr>
-          <a:xfrm>
-            <a:off x="1461255" y="1210799"/>
-            <a:ext cx="5897454" cy="3302574"/>
-          </a:xfrm>
-        </p:spPr>
-      </p:pic>
     </p:spTree>
     <p:extLst>
       <p:ext uri="{BB962C8B-B14F-4D97-AF65-F5344CB8AC3E}">
-        <p14:creationId xmlns:p14="http://schemas.microsoft.com/office/powerpoint/2010/main" val="2768700444"/>
+        <p14:creationId xmlns:p14="http://schemas.microsoft.com/office/powerpoint/2010/main" val="3376762504"/>
       </p:ext>
     </p:extLst>
   </p:cSld>
@@ -3664,21 +3750,19 @@
         </p:nvSpPr>
         <p:spPr>
           <a:xfrm>
-            <a:off x="585401" y="490088"/>
+            <a:off x="628650" y="521818"/>
             <a:ext cx="7886700" cy="994172"/>
           </a:xfrm>
         </p:spPr>
         <p:txBody>
-          <a:bodyPr/>
-          <a:lstStyle/>
-          <a:p>
-            <a:r>
-              <a:rPr lang="hu-HU" dirty="0" err="1" smtClean="0"/>
-              <a:t>Ajax</a:t>
-            </a:r>
+          <a:bodyPr>
+            <a:normAutofit/>
+          </a:bodyPr>
+          <a:lstStyle/>
+          <a:p>
             <a:r>
               <a:rPr lang="hu-HU" dirty="0" smtClean="0"/>
-              <a:t> hagyományosan</a:t>
+              <a:t>Gyakran használt függvények</a:t>
             </a:r>
             <a:endParaRPr lang="hu-HU" dirty="0"/>
           </a:p>
@@ -3686,455 +3770,115 @@
       </p:sp>
       <p:sp>
         <p:nvSpPr>
-          <p:cNvPr id="5" name="Tartalom helye 3"/>
-          <p:cNvSpPr txBox="1">
+          <p:cNvPr id="3" name="Tartalom helye 2"/>
+          <p:cNvSpPr>
             <a:spLocks noGrp="1"/>
           </p:cNvSpPr>
           <p:nvPr>
             <p:ph idx="1"/>
           </p:nvPr>
         </p:nvSpPr>
-        <p:spPr>
-          <a:xfrm>
-            <a:off x="868680" y="1200151"/>
-            <a:ext cx="7406640" cy="2390911"/>
-          </a:xfrm>
-          <a:prstGeom prst="rect">
-            <a:avLst/>
-          </a:prstGeom>
-          <a:noFill/>
-        </p:spPr>
-        <p:txBody>
-          <a:bodyPr vert="horz" wrap="square" lIns="82296" tIns="41148" rIns="82296" bIns="41148" rtlCol="0">
-            <a:spAutoFit/>
-          </a:bodyPr>
-          <a:lstStyle>
-            <a:defPPr>
-              <a:defRPr lang="hu-HU"/>
-            </a:defPPr>
-            <a:lvl1pPr marL="342900" indent="-342900" algn="l" defTabSz="914400" rtl="0" eaLnBrk="1" latinLnBrk="0" hangingPunct="1">
-              <a:spcBef>
-                <a:spcPct val="20000"/>
-              </a:spcBef>
-              <a:buClr>
-                <a:srgbClr val="007480"/>
-              </a:buClr>
-              <a:buFont typeface="Arial" pitchFamily="34" charset="0"/>
-              <a:buChar char="»"/>
-              <a:defRPr sz="1600" kern="1200">
-                <a:solidFill>
-                  <a:srgbClr val="231F20"/>
-                </a:solidFill>
-                <a:latin typeface="Courier New" panose="02070309020205020404" pitchFamily="49" charset="0"/>
-                <a:ea typeface="+mn-ea"/>
-                <a:cs typeface="Courier New" panose="02070309020205020404" pitchFamily="49" charset="0"/>
-              </a:defRPr>
-            </a:lvl1pPr>
-            <a:lvl2pPr marL="742950" indent="-285750" algn="l" defTabSz="914400" rtl="0" eaLnBrk="1" latinLnBrk="0" hangingPunct="1">
-              <a:spcBef>
-                <a:spcPct val="20000"/>
-              </a:spcBef>
-              <a:buClr>
-                <a:srgbClr val="007480"/>
-              </a:buClr>
-              <a:buFont typeface="Wingdings" pitchFamily="2" charset="2"/>
-              <a:buChar char="§"/>
-              <a:defRPr sz="2000" kern="1200">
-                <a:solidFill>
-                  <a:srgbClr val="231F20"/>
-                </a:solidFill>
-                <a:latin typeface="Arial" pitchFamily="34" charset="0"/>
-                <a:ea typeface="+mn-ea"/>
-                <a:cs typeface="Arial" pitchFamily="34" charset="0"/>
-              </a:defRPr>
-            </a:lvl2pPr>
-            <a:lvl3pPr marL="1143000" indent="-228600" algn="l" defTabSz="914400" rtl="0" eaLnBrk="1" latinLnBrk="0" hangingPunct="1">
-              <a:spcBef>
-                <a:spcPct val="20000"/>
-              </a:spcBef>
-              <a:buClr>
-                <a:srgbClr val="007480"/>
-              </a:buClr>
-              <a:buFont typeface="Arial" pitchFamily="34" charset="0"/>
-              <a:buChar char="•"/>
-              <a:defRPr sz="1800" kern="1200">
-                <a:solidFill>
-                  <a:srgbClr val="231F20"/>
-                </a:solidFill>
-                <a:latin typeface="Arial" pitchFamily="34" charset="0"/>
-                <a:ea typeface="+mn-ea"/>
-                <a:cs typeface="Arial" pitchFamily="34" charset="0"/>
-              </a:defRPr>
-            </a:lvl3pPr>
-            <a:lvl4pPr marL="1600200" indent="-228600" algn="l" defTabSz="914400" rtl="0" eaLnBrk="1" latinLnBrk="0" hangingPunct="1">
-              <a:spcBef>
-                <a:spcPct val="20000"/>
-              </a:spcBef>
-              <a:buClr>
-                <a:srgbClr val="007480"/>
-              </a:buClr>
-              <a:buFont typeface="Arial" pitchFamily="34" charset="0"/>
-              <a:buChar char="–"/>
-              <a:defRPr sz="1600" kern="1200">
-                <a:solidFill>
-                  <a:srgbClr val="231F20"/>
-                </a:solidFill>
-                <a:latin typeface="Arial" pitchFamily="34" charset="0"/>
-                <a:ea typeface="+mn-ea"/>
-                <a:cs typeface="Arial" pitchFamily="34" charset="0"/>
-              </a:defRPr>
-            </a:lvl4pPr>
-            <a:lvl5pPr marL="2057400" indent="-228600" algn="l" defTabSz="914400" rtl="0" eaLnBrk="1" latinLnBrk="0" hangingPunct="1">
-              <a:spcBef>
-                <a:spcPct val="20000"/>
-              </a:spcBef>
-              <a:buClr>
-                <a:srgbClr val="007480"/>
-              </a:buClr>
-              <a:buSzPct val="85000"/>
-              <a:buFont typeface="Wingdings 3" pitchFamily="18" charset="2"/>
-              <a:buChar char="Ê"/>
-              <a:defRPr sz="1600" kern="1200">
-                <a:solidFill>
-                  <a:srgbClr val="231F20"/>
-                </a:solidFill>
-                <a:latin typeface="Arial" pitchFamily="34" charset="0"/>
-                <a:ea typeface="+mn-ea"/>
-                <a:cs typeface="Arial" pitchFamily="34" charset="0"/>
-              </a:defRPr>
-            </a:lvl5pPr>
-            <a:lvl6pPr marL="2514600" indent="-228600" algn="l" defTabSz="914400" rtl="0" eaLnBrk="1" latinLnBrk="0" hangingPunct="1">
-              <a:spcBef>
-                <a:spcPct val="20000"/>
-              </a:spcBef>
-              <a:buFont typeface="Arial" pitchFamily="34" charset="0"/>
-              <a:buChar char="•"/>
-              <a:defRPr sz="2000" kern="1200">
-                <a:solidFill>
-                  <a:schemeClr val="tx1"/>
-                </a:solidFill>
-                <a:latin typeface="+mn-lt"/>
-                <a:ea typeface="+mn-ea"/>
-                <a:cs typeface="+mn-cs"/>
-              </a:defRPr>
-            </a:lvl6pPr>
-            <a:lvl7pPr marL="2971800" indent="-228600" algn="l" defTabSz="914400" rtl="0" eaLnBrk="1" latinLnBrk="0" hangingPunct="1">
-              <a:spcBef>
-                <a:spcPct val="20000"/>
-              </a:spcBef>
-              <a:buFont typeface="Arial" pitchFamily="34" charset="0"/>
-              <a:buChar char="•"/>
-              <a:defRPr sz="2000" kern="1200">
-                <a:solidFill>
-                  <a:schemeClr val="tx1"/>
-                </a:solidFill>
-                <a:latin typeface="+mn-lt"/>
-                <a:ea typeface="+mn-ea"/>
-                <a:cs typeface="+mn-cs"/>
-              </a:defRPr>
-            </a:lvl7pPr>
-            <a:lvl8pPr marL="3429000" indent="-228600" algn="l" defTabSz="914400" rtl="0" eaLnBrk="1" latinLnBrk="0" hangingPunct="1">
-              <a:spcBef>
-                <a:spcPct val="20000"/>
-              </a:spcBef>
-              <a:buFont typeface="Arial" pitchFamily="34" charset="0"/>
-              <a:buChar char="•"/>
-              <a:defRPr sz="2000" kern="1200">
-                <a:solidFill>
-                  <a:schemeClr val="tx1"/>
-                </a:solidFill>
-                <a:latin typeface="+mn-lt"/>
-                <a:ea typeface="+mn-ea"/>
-                <a:cs typeface="+mn-cs"/>
-              </a:defRPr>
-            </a:lvl8pPr>
-            <a:lvl9pPr marL="3886200" indent="-228600" algn="l" defTabSz="914400" rtl="0" eaLnBrk="1" latinLnBrk="0" hangingPunct="1">
-              <a:spcBef>
-                <a:spcPct val="20000"/>
-              </a:spcBef>
-              <a:buFont typeface="Arial" pitchFamily="34" charset="0"/>
-              <a:buChar char="•"/>
-              <a:defRPr sz="2000" kern="1200">
-                <a:solidFill>
-                  <a:schemeClr val="tx1"/>
-                </a:solidFill>
-                <a:latin typeface="+mn-lt"/>
-                <a:ea typeface="+mn-ea"/>
-                <a:cs typeface="+mn-cs"/>
-              </a:defRPr>
-            </a:lvl9pPr>
-          </a:lstStyle>
+        <p:spPr/>
+        <p:txBody>
+          <a:bodyPr/>
+          <a:lstStyle/>
+          <a:p>
+            <a:r>
+              <a:rPr lang="hu-HU" dirty="0"/>
+              <a:t>.</a:t>
+            </a:r>
+            <a:r>
+              <a:rPr lang="hu-HU" dirty="0" err="1"/>
+              <a:t>val</a:t>
+            </a:r>
+            <a:r>
+              <a:rPr lang="hu-HU" dirty="0" smtClean="0"/>
+              <a:t>()</a:t>
+            </a:r>
+          </a:p>
+          <a:p>
+            <a:r>
+              <a:rPr lang="hu-HU" dirty="0"/>
+              <a:t>.</a:t>
+            </a:r>
+            <a:r>
+              <a:rPr lang="hu-HU" dirty="0" err="1"/>
+              <a:t>html</a:t>
+            </a:r>
+            <a:r>
+              <a:rPr lang="hu-HU" dirty="0"/>
+              <a:t>()</a:t>
+            </a:r>
+          </a:p>
+          <a:p>
+            <a:r>
+              <a:rPr lang="hu-HU" dirty="0" smtClean="0"/>
+              <a:t>.</a:t>
+            </a:r>
+            <a:r>
+              <a:rPr lang="hu-HU" dirty="0" err="1"/>
+              <a:t>addClass</a:t>
+            </a:r>
+            <a:r>
+              <a:rPr lang="hu-HU" dirty="0" smtClean="0"/>
+              <a:t>()</a:t>
+            </a:r>
+          </a:p>
+          <a:p>
+            <a:r>
+              <a:rPr lang="hu-HU" dirty="0"/>
+              <a:t>.</a:t>
+            </a:r>
+            <a:r>
+              <a:rPr lang="hu-HU" dirty="0" err="1"/>
+              <a:t>removeClass</a:t>
+            </a:r>
+            <a:r>
+              <a:rPr lang="hu-HU" dirty="0" smtClean="0"/>
+              <a:t>()</a:t>
+            </a:r>
+          </a:p>
+          <a:p>
+            <a:r>
+              <a:rPr lang="hu-HU" dirty="0"/>
+              <a:t>.</a:t>
+            </a:r>
+            <a:r>
+              <a:rPr lang="hu-HU" dirty="0" err="1"/>
+              <a:t>attr</a:t>
+            </a:r>
+            <a:r>
+              <a:rPr lang="hu-HU" dirty="0" smtClean="0"/>
+              <a:t>()</a:t>
+            </a:r>
+          </a:p>
+          <a:p>
+            <a:r>
+              <a:rPr lang="hu-HU" dirty="0"/>
+              <a:t>.</a:t>
+            </a:r>
+            <a:r>
+              <a:rPr lang="hu-HU" dirty="0" err="1"/>
+              <a:t>removeAttr</a:t>
+            </a:r>
+            <a:r>
+              <a:rPr lang="hu-HU" dirty="0"/>
+              <a:t>()</a:t>
+            </a:r>
+            <a:endParaRPr lang="hu-HU" dirty="0" smtClean="0"/>
+          </a:p>
           <a:p>
             <a:pPr marL="0" indent="0">
               <a:buNone/>
             </a:pPr>
-            <a:r>
-              <a:rPr lang="hu-HU" sz="1260" dirty="0"/>
-              <a:t>var </a:t>
-            </a:r>
-            <a:r>
-              <a:rPr lang="hu-HU" sz="1260" dirty="0" err="1"/>
-              <a:t>xhr</a:t>
-            </a:r>
-            <a:r>
-              <a:rPr lang="hu-HU" sz="1260" dirty="0"/>
-              <a:t> = </a:t>
-            </a:r>
-            <a:r>
-              <a:rPr lang="hu-HU" sz="1260" dirty="0" err="1"/>
-              <a:t>new</a:t>
-            </a:r>
-            <a:r>
-              <a:rPr lang="hu-HU" sz="1260" dirty="0"/>
-              <a:t> </a:t>
-            </a:r>
-            <a:r>
-              <a:rPr lang="hu-HU" sz="1260" dirty="0" err="1"/>
-              <a:t>XMLHttpRequest</a:t>
-            </a:r>
-            <a:r>
-              <a:rPr lang="hu-HU" sz="1260" dirty="0"/>
-              <a:t>();</a:t>
-            </a:r>
-          </a:p>
-          <a:p>
-            <a:endParaRPr lang="hu-HU" sz="1260" dirty="0"/>
-          </a:p>
-          <a:p>
-            <a:pPr marL="0" indent="0">
-              <a:buNone/>
-            </a:pPr>
-            <a:r>
-              <a:rPr lang="hu-HU" sz="1260" dirty="0" err="1"/>
-              <a:t>xhr.onreadystatechange</a:t>
-            </a:r>
-            <a:r>
-              <a:rPr lang="hu-HU" sz="1260" dirty="0"/>
-              <a:t> = </a:t>
-            </a:r>
-            <a:r>
-              <a:rPr lang="hu-HU" sz="1260" dirty="0" err="1"/>
-              <a:t>function</a:t>
-            </a:r>
-            <a:r>
-              <a:rPr lang="hu-HU" sz="1260" dirty="0"/>
-              <a:t>() {</a:t>
-            </a:r>
-          </a:p>
-          <a:p>
-            <a:pPr marL="360045" lvl="1" indent="0">
-              <a:buNone/>
-            </a:pPr>
-            <a:r>
-              <a:rPr lang="hu-HU" sz="1260" dirty="0" err="1">
-                <a:latin typeface="Courier New" panose="02070309020205020404" pitchFamily="49" charset="0"/>
-                <a:cs typeface="Courier New" panose="02070309020205020404" pitchFamily="49" charset="0"/>
-              </a:rPr>
-              <a:t>if</a:t>
-            </a:r>
-            <a:r>
-              <a:rPr lang="hu-HU" sz="1260" dirty="0">
-                <a:latin typeface="Courier New" panose="02070309020205020404" pitchFamily="49" charset="0"/>
-                <a:cs typeface="Courier New" panose="02070309020205020404" pitchFamily="49" charset="0"/>
-              </a:rPr>
-              <a:t> (</a:t>
-            </a:r>
-            <a:r>
-              <a:rPr lang="hu-HU" sz="1260" dirty="0" err="1">
-                <a:latin typeface="Courier New" panose="02070309020205020404" pitchFamily="49" charset="0"/>
-                <a:cs typeface="Courier New" panose="02070309020205020404" pitchFamily="49" charset="0"/>
-              </a:rPr>
-              <a:t>xhr.readyState</a:t>
-            </a:r>
-            <a:r>
-              <a:rPr lang="hu-HU" sz="1260" dirty="0">
-                <a:latin typeface="Courier New" panose="02070309020205020404" pitchFamily="49" charset="0"/>
-                <a:cs typeface="Courier New" panose="02070309020205020404" pitchFamily="49" charset="0"/>
-              </a:rPr>
-              <a:t> == 4) {</a:t>
-            </a:r>
-          </a:p>
-          <a:p>
-            <a:pPr marL="360045" lvl="1" indent="0">
-              <a:buNone/>
-            </a:pPr>
-            <a:r>
-              <a:rPr lang="hu-HU" sz="1260" dirty="0">
-                <a:latin typeface="Courier New" panose="02070309020205020404" pitchFamily="49" charset="0"/>
-                <a:cs typeface="Courier New" panose="02070309020205020404" pitchFamily="49" charset="0"/>
-              </a:rPr>
-              <a:t>	var </a:t>
-            </a:r>
-            <a:r>
-              <a:rPr lang="hu-HU" sz="1260" dirty="0" err="1">
-                <a:latin typeface="Courier New" panose="02070309020205020404" pitchFamily="49" charset="0"/>
-                <a:cs typeface="Courier New" panose="02070309020205020404" pitchFamily="49" charset="0"/>
-              </a:rPr>
-              <a:t>data</a:t>
-            </a:r>
-            <a:r>
-              <a:rPr lang="hu-HU" sz="1260" dirty="0">
-                <a:latin typeface="Courier New" panose="02070309020205020404" pitchFamily="49" charset="0"/>
-                <a:cs typeface="Courier New" panose="02070309020205020404" pitchFamily="49" charset="0"/>
-              </a:rPr>
-              <a:t> = </a:t>
-            </a:r>
-            <a:r>
-              <a:rPr lang="hu-HU" sz="1260" dirty="0" err="1">
-                <a:latin typeface="Courier New" panose="02070309020205020404" pitchFamily="49" charset="0"/>
-                <a:cs typeface="Courier New" panose="02070309020205020404" pitchFamily="49" charset="0"/>
-              </a:rPr>
-              <a:t>xhr.responseText</a:t>
-            </a:r>
-            <a:r>
-              <a:rPr lang="hu-HU" sz="1260" dirty="0">
-                <a:latin typeface="Courier New" panose="02070309020205020404" pitchFamily="49" charset="0"/>
-                <a:cs typeface="Courier New" panose="02070309020205020404" pitchFamily="49" charset="0"/>
-              </a:rPr>
-              <a:t>;</a:t>
-            </a:r>
-          </a:p>
-          <a:p>
-            <a:pPr marL="360045" lvl="1" indent="0">
-              <a:buNone/>
-            </a:pPr>
-            <a:r>
-              <a:rPr lang="hu-HU" sz="1260" dirty="0">
-                <a:latin typeface="Courier New" panose="02070309020205020404" pitchFamily="49" charset="0"/>
-                <a:cs typeface="Courier New" panose="02070309020205020404" pitchFamily="49" charset="0"/>
-              </a:rPr>
-              <a:t>	</a:t>
-            </a:r>
-            <a:r>
-              <a:rPr lang="hu-HU" sz="1260" dirty="0" err="1">
-                <a:latin typeface="Courier New" panose="02070309020205020404" pitchFamily="49" charset="0"/>
-                <a:cs typeface="Courier New" panose="02070309020205020404" pitchFamily="49" charset="0"/>
-              </a:rPr>
-              <a:t>document.getElementById</a:t>
-            </a:r>
-            <a:r>
-              <a:rPr lang="hu-HU" sz="1260" dirty="0">
-                <a:latin typeface="Courier New" panose="02070309020205020404" pitchFamily="49" charset="0"/>
-                <a:cs typeface="Courier New" panose="02070309020205020404" pitchFamily="49" charset="0"/>
-              </a:rPr>
-              <a:t>("</a:t>
-            </a:r>
-            <a:r>
-              <a:rPr lang="hu-HU" sz="1260" dirty="0" err="1">
-                <a:latin typeface="Courier New" panose="02070309020205020404" pitchFamily="49" charset="0"/>
-                <a:cs typeface="Courier New" panose="02070309020205020404" pitchFamily="49" charset="0"/>
-              </a:rPr>
-              <a:t>result</a:t>
-            </a:r>
-            <a:r>
-              <a:rPr lang="hu-HU" sz="1260" dirty="0">
-                <a:latin typeface="Courier New" panose="02070309020205020404" pitchFamily="49" charset="0"/>
-                <a:cs typeface="Courier New" panose="02070309020205020404" pitchFamily="49" charset="0"/>
-              </a:rPr>
-              <a:t>").</a:t>
-            </a:r>
-            <a:r>
-              <a:rPr lang="hu-HU" sz="1260" dirty="0" err="1">
-                <a:latin typeface="Courier New" panose="02070309020205020404" pitchFamily="49" charset="0"/>
-                <a:cs typeface="Courier New" panose="02070309020205020404" pitchFamily="49" charset="0"/>
-              </a:rPr>
-              <a:t>innerHTML</a:t>
-            </a:r>
-            <a:r>
-              <a:rPr lang="hu-HU" sz="1260" dirty="0">
-                <a:latin typeface="Courier New" panose="02070309020205020404" pitchFamily="49" charset="0"/>
-                <a:cs typeface="Courier New" panose="02070309020205020404" pitchFamily="49" charset="0"/>
-              </a:rPr>
-              <a:t> = </a:t>
-            </a:r>
-            <a:r>
-              <a:rPr lang="hu-HU" sz="1260" dirty="0" err="1">
-                <a:latin typeface="Courier New" panose="02070309020205020404" pitchFamily="49" charset="0"/>
-                <a:cs typeface="Courier New" panose="02070309020205020404" pitchFamily="49" charset="0"/>
-              </a:rPr>
-              <a:t>data</a:t>
-            </a:r>
-            <a:r>
-              <a:rPr lang="hu-HU" sz="1260" dirty="0">
-                <a:latin typeface="Courier New" panose="02070309020205020404" pitchFamily="49" charset="0"/>
-                <a:cs typeface="Courier New" panose="02070309020205020404" pitchFamily="49" charset="0"/>
-              </a:rPr>
-              <a:t>;</a:t>
-            </a:r>
-          </a:p>
-          <a:p>
-            <a:pPr marL="360045" lvl="1" indent="0">
-              <a:buNone/>
-            </a:pPr>
-            <a:r>
-              <a:rPr lang="hu-HU" sz="1260" dirty="0">
-                <a:latin typeface="Courier New" panose="02070309020205020404" pitchFamily="49" charset="0"/>
-                <a:cs typeface="Courier New" panose="02070309020205020404" pitchFamily="49" charset="0"/>
-              </a:rPr>
-              <a:t>}</a:t>
-            </a:r>
-          </a:p>
-          <a:p>
-            <a:pPr marL="0" indent="0">
-              <a:buNone/>
-            </a:pPr>
-            <a:r>
-              <a:rPr lang="hu-HU" sz="1260" dirty="0"/>
-              <a:t>}</a:t>
-            </a:r>
-          </a:p>
-          <a:p>
-            <a:endParaRPr lang="hu-HU" sz="1260" dirty="0"/>
-          </a:p>
-          <a:p>
-            <a:pPr marL="0" indent="0">
-              <a:buNone/>
-            </a:pPr>
-            <a:r>
-              <a:rPr lang="hu-HU" sz="1260" dirty="0" err="1"/>
-              <a:t>xhr.open</a:t>
-            </a:r>
-            <a:r>
-              <a:rPr lang="hu-HU" sz="1260" dirty="0"/>
-              <a:t>('GET', '</a:t>
-            </a:r>
-            <a:r>
-              <a:rPr lang="hu-HU" sz="1260" dirty="0" err="1"/>
-              <a:t>HelloWorldAjaxServlet</a:t>
-            </a:r>
-            <a:r>
-              <a:rPr lang="hu-HU" sz="1260" dirty="0"/>
-              <a:t>', </a:t>
-            </a:r>
-            <a:r>
-              <a:rPr lang="hu-HU" sz="1260" dirty="0" err="1"/>
-              <a:t>true</a:t>
-            </a:r>
-            <a:r>
-              <a:rPr lang="hu-HU" sz="1260" dirty="0"/>
-              <a:t>);</a:t>
-            </a:r>
-          </a:p>
-          <a:p>
-            <a:pPr marL="0" indent="0">
-              <a:buNone/>
-            </a:pPr>
-            <a:r>
-              <a:rPr lang="hu-HU" sz="1260" dirty="0" err="1"/>
-              <a:t>xhr.send</a:t>
-            </a:r>
-            <a:r>
-              <a:rPr lang="hu-HU" sz="1260" dirty="0"/>
-              <a:t>(null);</a:t>
-            </a:r>
-            <a:endParaRPr lang="en-US" sz="1260" dirty="0"/>
+            <a:endParaRPr lang="hu-HU" dirty="0"/>
           </a:p>
         </p:txBody>
       </p:sp>
     </p:spTree>
     <p:extLst>
       <p:ext uri="{BB962C8B-B14F-4D97-AF65-F5344CB8AC3E}">
-        <p14:creationId xmlns:p14="http://schemas.microsoft.com/office/powerpoint/2010/main" val="3244107593"/>
+        <p14:creationId xmlns:p14="http://schemas.microsoft.com/office/powerpoint/2010/main" val="1212913343"/>
       </p:ext>
     </p:extLst>
   </p:cSld>
@@ -4180,33 +3924,19 @@
         </p:nvSpPr>
         <p:spPr>
           <a:xfrm>
-            <a:off x="566866" y="459196"/>
+            <a:off x="628650" y="552814"/>
             <a:ext cx="7886700" cy="994172"/>
           </a:xfrm>
         </p:spPr>
         <p:txBody>
-          <a:bodyPr/>
-          <a:lstStyle/>
-          <a:p>
-            <a:r>
-              <a:rPr lang="hu-HU" dirty="0" err="1" smtClean="0"/>
-              <a:t>Ajax</a:t>
-            </a:r>
+          <a:bodyPr>
+            <a:normAutofit/>
+          </a:bodyPr>
+          <a:lstStyle/>
+          <a:p>
             <a:r>
               <a:rPr lang="hu-HU" dirty="0" smtClean="0"/>
-              <a:t> </a:t>
-            </a:r>
-            <a:r>
-              <a:rPr lang="hu-HU" smtClean="0"/>
-              <a:t>j</a:t>
-            </a:r>
-            <a:r>
-              <a:rPr lang="hu-HU"/>
-              <a:t>Q</a:t>
-            </a:r>
-            <a:r>
-              <a:rPr lang="hu-HU" smtClean="0"/>
-              <a:t>uery</a:t>
+              <a:t>Gyakran használt függvények</a:t>
             </a:r>
             <a:endParaRPr lang="hu-HU" dirty="0"/>
           </a:p>
@@ -4214,680 +3944,465 @@
       </p:sp>
       <p:sp>
         <p:nvSpPr>
-          <p:cNvPr id="5" name="Tartalom helye 3"/>
-          <p:cNvSpPr txBox="1">
+          <p:cNvPr id="3" name="Tartalom helye 2"/>
+          <p:cNvSpPr>
             <a:spLocks noGrp="1"/>
           </p:cNvSpPr>
           <p:nvPr>
             <p:ph idx="1"/>
           </p:nvPr>
         </p:nvSpPr>
-        <p:spPr>
-          <a:xfrm>
-            <a:off x="889997" y="1275606"/>
-            <a:ext cx="7406640" cy="684290"/>
-          </a:xfrm>
-          <a:prstGeom prst="rect">
-            <a:avLst/>
-          </a:prstGeom>
-          <a:noFill/>
-        </p:spPr>
-        <p:txBody>
-          <a:bodyPr vert="horz" wrap="square" lIns="82296" tIns="41148" rIns="82296" bIns="41148" rtlCol="0">
-            <a:spAutoFit/>
-          </a:bodyPr>
-          <a:lstStyle>
-            <a:defPPr>
-              <a:defRPr lang="hu-HU"/>
-            </a:defPPr>
-            <a:lvl1pPr marL="342900" indent="-342900" algn="l" defTabSz="914400" rtl="0" eaLnBrk="1" latinLnBrk="0" hangingPunct="1">
-              <a:spcBef>
-                <a:spcPct val="20000"/>
-              </a:spcBef>
-              <a:buClr>
-                <a:srgbClr val="007480"/>
-              </a:buClr>
-              <a:buFont typeface="Arial" pitchFamily="34" charset="0"/>
-              <a:buChar char="»"/>
-              <a:defRPr sz="1600" kern="1200">
-                <a:solidFill>
-                  <a:srgbClr val="231F20"/>
-                </a:solidFill>
-                <a:latin typeface="Courier New" panose="02070309020205020404" pitchFamily="49" charset="0"/>
-                <a:ea typeface="+mn-ea"/>
-                <a:cs typeface="Courier New" panose="02070309020205020404" pitchFamily="49" charset="0"/>
-              </a:defRPr>
-            </a:lvl1pPr>
-            <a:lvl2pPr marL="742950" indent="-285750" algn="l" defTabSz="914400" rtl="0" eaLnBrk="1" latinLnBrk="0" hangingPunct="1">
-              <a:spcBef>
-                <a:spcPct val="20000"/>
-              </a:spcBef>
-              <a:buClr>
-                <a:srgbClr val="007480"/>
-              </a:buClr>
-              <a:buFont typeface="Wingdings" pitchFamily="2" charset="2"/>
-              <a:buChar char="§"/>
-              <a:defRPr sz="2000" kern="1200">
-                <a:solidFill>
-                  <a:srgbClr val="231F20"/>
-                </a:solidFill>
-                <a:latin typeface="Arial" pitchFamily="34" charset="0"/>
-                <a:ea typeface="+mn-ea"/>
-                <a:cs typeface="Arial" pitchFamily="34" charset="0"/>
-              </a:defRPr>
-            </a:lvl2pPr>
-            <a:lvl3pPr marL="1143000" indent="-228600" algn="l" defTabSz="914400" rtl="0" eaLnBrk="1" latinLnBrk="0" hangingPunct="1">
-              <a:spcBef>
-                <a:spcPct val="20000"/>
-              </a:spcBef>
-              <a:buClr>
-                <a:srgbClr val="007480"/>
-              </a:buClr>
-              <a:buFont typeface="Arial" pitchFamily="34" charset="0"/>
-              <a:buChar char="•"/>
-              <a:defRPr sz="1800" kern="1200">
-                <a:solidFill>
-                  <a:srgbClr val="231F20"/>
-                </a:solidFill>
-                <a:latin typeface="Arial" pitchFamily="34" charset="0"/>
-                <a:ea typeface="+mn-ea"/>
-                <a:cs typeface="Arial" pitchFamily="34" charset="0"/>
-              </a:defRPr>
-            </a:lvl3pPr>
-            <a:lvl4pPr marL="1600200" indent="-228600" algn="l" defTabSz="914400" rtl="0" eaLnBrk="1" latinLnBrk="0" hangingPunct="1">
-              <a:spcBef>
-                <a:spcPct val="20000"/>
-              </a:spcBef>
-              <a:buClr>
-                <a:srgbClr val="007480"/>
-              </a:buClr>
-              <a:buFont typeface="Arial" pitchFamily="34" charset="0"/>
-              <a:buChar char="–"/>
-              <a:defRPr sz="1600" kern="1200">
-                <a:solidFill>
-                  <a:srgbClr val="231F20"/>
-                </a:solidFill>
-                <a:latin typeface="Arial" pitchFamily="34" charset="0"/>
-                <a:ea typeface="+mn-ea"/>
-                <a:cs typeface="Arial" pitchFamily="34" charset="0"/>
-              </a:defRPr>
-            </a:lvl4pPr>
-            <a:lvl5pPr marL="2057400" indent="-228600" algn="l" defTabSz="914400" rtl="0" eaLnBrk="1" latinLnBrk="0" hangingPunct="1">
-              <a:spcBef>
-                <a:spcPct val="20000"/>
-              </a:spcBef>
-              <a:buClr>
-                <a:srgbClr val="007480"/>
-              </a:buClr>
-              <a:buSzPct val="85000"/>
-              <a:buFont typeface="Wingdings 3" pitchFamily="18" charset="2"/>
-              <a:buChar char="Ê"/>
-              <a:defRPr sz="1600" kern="1200">
-                <a:solidFill>
-                  <a:srgbClr val="231F20"/>
-                </a:solidFill>
-                <a:latin typeface="Arial" pitchFamily="34" charset="0"/>
-                <a:ea typeface="+mn-ea"/>
-                <a:cs typeface="Arial" pitchFamily="34" charset="0"/>
-              </a:defRPr>
-            </a:lvl5pPr>
-            <a:lvl6pPr marL="2514600" indent="-228600" algn="l" defTabSz="914400" rtl="0" eaLnBrk="1" latinLnBrk="0" hangingPunct="1">
-              <a:spcBef>
-                <a:spcPct val="20000"/>
-              </a:spcBef>
-              <a:buFont typeface="Arial" pitchFamily="34" charset="0"/>
-              <a:buChar char="•"/>
-              <a:defRPr sz="2000" kern="1200">
-                <a:solidFill>
-                  <a:schemeClr val="tx1"/>
-                </a:solidFill>
-                <a:latin typeface="+mn-lt"/>
-                <a:ea typeface="+mn-ea"/>
-                <a:cs typeface="+mn-cs"/>
-              </a:defRPr>
-            </a:lvl6pPr>
-            <a:lvl7pPr marL="2971800" indent="-228600" algn="l" defTabSz="914400" rtl="0" eaLnBrk="1" latinLnBrk="0" hangingPunct="1">
-              <a:spcBef>
-                <a:spcPct val="20000"/>
-              </a:spcBef>
-              <a:buFont typeface="Arial" pitchFamily="34" charset="0"/>
-              <a:buChar char="•"/>
-              <a:defRPr sz="2000" kern="1200">
-                <a:solidFill>
-                  <a:schemeClr val="tx1"/>
-                </a:solidFill>
-                <a:latin typeface="+mn-lt"/>
-                <a:ea typeface="+mn-ea"/>
-                <a:cs typeface="+mn-cs"/>
-              </a:defRPr>
-            </a:lvl7pPr>
-            <a:lvl8pPr marL="3429000" indent="-228600" algn="l" defTabSz="914400" rtl="0" eaLnBrk="1" latinLnBrk="0" hangingPunct="1">
-              <a:spcBef>
-                <a:spcPct val="20000"/>
-              </a:spcBef>
-              <a:buFont typeface="Arial" pitchFamily="34" charset="0"/>
-              <a:buChar char="•"/>
-              <a:defRPr sz="2000" kern="1200">
-                <a:solidFill>
-                  <a:schemeClr val="tx1"/>
-                </a:solidFill>
-                <a:latin typeface="+mn-lt"/>
-                <a:ea typeface="+mn-ea"/>
-                <a:cs typeface="+mn-cs"/>
-              </a:defRPr>
-            </a:lvl8pPr>
-            <a:lvl9pPr marL="3886200" indent="-228600" algn="l" defTabSz="914400" rtl="0" eaLnBrk="1" latinLnBrk="0" hangingPunct="1">
-              <a:spcBef>
-                <a:spcPct val="20000"/>
-              </a:spcBef>
-              <a:buFont typeface="Arial" pitchFamily="34" charset="0"/>
-              <a:buChar char="•"/>
-              <a:defRPr sz="2000" kern="1200">
-                <a:solidFill>
-                  <a:schemeClr val="tx1"/>
-                </a:solidFill>
-                <a:latin typeface="+mn-lt"/>
-                <a:ea typeface="+mn-ea"/>
-                <a:cs typeface="+mn-cs"/>
-              </a:defRPr>
-            </a:lvl9pPr>
-          </a:lstStyle>
-          <a:p>
-            <a:pPr marL="0" indent="0">
-              <a:buNone/>
-            </a:pPr>
-            <a:r>
-              <a:rPr lang="hu-HU" sz="1260" dirty="0" err="1"/>
-              <a:t>$.get</a:t>
-            </a:r>
-            <a:r>
-              <a:rPr lang="hu-HU" sz="1260" dirty="0"/>
-              <a:t>("</a:t>
-            </a:r>
-            <a:r>
-              <a:rPr lang="hu-HU" sz="1260" dirty="0" err="1"/>
-              <a:t>HelloWorldAjaxServlet</a:t>
-            </a:r>
-            <a:r>
-              <a:rPr lang="hu-HU" sz="1260" dirty="0"/>
-              <a:t>", </a:t>
-            </a:r>
-            <a:r>
-              <a:rPr lang="hu-HU" sz="1260" dirty="0" err="1"/>
-              <a:t>function</a:t>
-            </a:r>
-            <a:r>
-              <a:rPr lang="hu-HU" sz="1260" dirty="0"/>
-              <a:t>(</a:t>
-            </a:r>
-            <a:r>
-              <a:rPr lang="hu-HU" sz="1260" dirty="0" err="1"/>
-              <a:t>data</a:t>
-            </a:r>
-            <a:r>
-              <a:rPr lang="hu-HU" sz="1260" dirty="0"/>
-              <a:t>) {</a:t>
-            </a:r>
-          </a:p>
-          <a:p>
-            <a:pPr marL="0" indent="0">
-              <a:buNone/>
-            </a:pPr>
-            <a:r>
-              <a:rPr lang="hu-HU" sz="1260" dirty="0"/>
-              <a:t>$("#</a:t>
-            </a:r>
-            <a:r>
-              <a:rPr lang="hu-HU" sz="1260" dirty="0" err="1"/>
-              <a:t>result</a:t>
-            </a:r>
-            <a:r>
-              <a:rPr lang="hu-HU" sz="1260" dirty="0"/>
-              <a:t>").</a:t>
-            </a:r>
-            <a:r>
-              <a:rPr lang="hu-HU" sz="1260" dirty="0" err="1"/>
-              <a:t>html</a:t>
-            </a:r>
-            <a:r>
-              <a:rPr lang="hu-HU" sz="1260" dirty="0"/>
-              <a:t>(</a:t>
-            </a:r>
-            <a:r>
-              <a:rPr lang="hu-HU" sz="1260" dirty="0" err="1"/>
-              <a:t>data</a:t>
-            </a:r>
-            <a:r>
-              <a:rPr lang="hu-HU" sz="1260" dirty="0"/>
-              <a:t>);</a:t>
-            </a:r>
-          </a:p>
-          <a:p>
-            <a:pPr marL="0" indent="0">
-              <a:buNone/>
-            </a:pPr>
-            <a:r>
-              <a:rPr lang="hu-HU" sz="1260" dirty="0"/>
-              <a:t>});</a:t>
-            </a:r>
-            <a:endParaRPr lang="en-US" sz="1260" dirty="0"/>
-          </a:p>
-        </p:txBody>
-      </p:sp>
-      <p:sp>
-        <p:nvSpPr>
-          <p:cNvPr id="4" name="Tartalom helye 3"/>
-          <p:cNvSpPr txBox="1">
-            <a:spLocks/>
-          </p:cNvSpPr>
-          <p:nvPr/>
-        </p:nvSpPr>
-        <p:spPr>
-          <a:xfrm>
-            <a:off x="889997" y="2213165"/>
-            <a:ext cx="7406640" cy="2138534"/>
-          </a:xfrm>
-          <a:prstGeom prst="rect">
-            <a:avLst/>
-          </a:prstGeom>
-          <a:noFill/>
-        </p:spPr>
-        <p:txBody>
-          <a:bodyPr vert="horz" wrap="square" lIns="82296" tIns="41148" rIns="82296" bIns="41148" rtlCol="0">
-            <a:spAutoFit/>
-          </a:bodyPr>
-          <a:lstStyle>
-            <a:defPPr>
-              <a:defRPr lang="hu-HU"/>
-            </a:defPPr>
-            <a:lvl1pPr marL="342900" indent="-342900" algn="l" defTabSz="914400" rtl="0" eaLnBrk="1" latinLnBrk="0" hangingPunct="1">
-              <a:spcBef>
-                <a:spcPct val="20000"/>
-              </a:spcBef>
-              <a:buClr>
-                <a:srgbClr val="007480"/>
-              </a:buClr>
-              <a:buFont typeface="Arial" pitchFamily="34" charset="0"/>
-              <a:buChar char="»"/>
-              <a:defRPr sz="1600" kern="1200">
-                <a:solidFill>
-                  <a:srgbClr val="231F20"/>
-                </a:solidFill>
-                <a:latin typeface="Courier New" panose="02070309020205020404" pitchFamily="49" charset="0"/>
-                <a:ea typeface="+mn-ea"/>
-                <a:cs typeface="Courier New" panose="02070309020205020404" pitchFamily="49" charset="0"/>
-              </a:defRPr>
-            </a:lvl1pPr>
-            <a:lvl2pPr marL="742950" indent="-285750" algn="l" defTabSz="914400" rtl="0" eaLnBrk="1" latinLnBrk="0" hangingPunct="1">
-              <a:spcBef>
-                <a:spcPct val="20000"/>
-              </a:spcBef>
-              <a:buClr>
-                <a:srgbClr val="007480"/>
-              </a:buClr>
-              <a:buFont typeface="Wingdings" pitchFamily="2" charset="2"/>
-              <a:buChar char="§"/>
-              <a:defRPr sz="2000" kern="1200">
-                <a:solidFill>
-                  <a:srgbClr val="231F20"/>
-                </a:solidFill>
-                <a:latin typeface="Arial" pitchFamily="34" charset="0"/>
-                <a:ea typeface="+mn-ea"/>
-                <a:cs typeface="Arial" pitchFamily="34" charset="0"/>
-              </a:defRPr>
-            </a:lvl2pPr>
-            <a:lvl3pPr marL="1143000" indent="-228600" algn="l" defTabSz="914400" rtl="0" eaLnBrk="1" latinLnBrk="0" hangingPunct="1">
-              <a:spcBef>
-                <a:spcPct val="20000"/>
-              </a:spcBef>
-              <a:buClr>
-                <a:srgbClr val="007480"/>
-              </a:buClr>
-              <a:buFont typeface="Arial" pitchFamily="34" charset="0"/>
-              <a:buChar char="•"/>
-              <a:defRPr sz="1800" kern="1200">
-                <a:solidFill>
-                  <a:srgbClr val="231F20"/>
-                </a:solidFill>
-                <a:latin typeface="Arial" pitchFamily="34" charset="0"/>
-                <a:ea typeface="+mn-ea"/>
-                <a:cs typeface="Arial" pitchFamily="34" charset="0"/>
-              </a:defRPr>
-            </a:lvl3pPr>
-            <a:lvl4pPr marL="1600200" indent="-228600" algn="l" defTabSz="914400" rtl="0" eaLnBrk="1" latinLnBrk="0" hangingPunct="1">
-              <a:spcBef>
-                <a:spcPct val="20000"/>
-              </a:spcBef>
-              <a:buClr>
-                <a:srgbClr val="007480"/>
-              </a:buClr>
-              <a:buFont typeface="Arial" pitchFamily="34" charset="0"/>
-              <a:buChar char="–"/>
-              <a:defRPr sz="1600" kern="1200">
-                <a:solidFill>
-                  <a:srgbClr val="231F20"/>
-                </a:solidFill>
-                <a:latin typeface="Arial" pitchFamily="34" charset="0"/>
-                <a:ea typeface="+mn-ea"/>
-                <a:cs typeface="Arial" pitchFamily="34" charset="0"/>
-              </a:defRPr>
-            </a:lvl4pPr>
-            <a:lvl5pPr marL="2057400" indent="-228600" algn="l" defTabSz="914400" rtl="0" eaLnBrk="1" latinLnBrk="0" hangingPunct="1">
-              <a:spcBef>
-                <a:spcPct val="20000"/>
-              </a:spcBef>
-              <a:buClr>
-                <a:srgbClr val="007480"/>
-              </a:buClr>
-              <a:buSzPct val="85000"/>
-              <a:buFont typeface="Wingdings 3" pitchFamily="18" charset="2"/>
-              <a:buChar char="Ê"/>
-              <a:defRPr sz="1600" kern="1200">
-                <a:solidFill>
-                  <a:srgbClr val="231F20"/>
-                </a:solidFill>
-                <a:latin typeface="Arial" pitchFamily="34" charset="0"/>
-                <a:ea typeface="+mn-ea"/>
-                <a:cs typeface="Arial" pitchFamily="34" charset="0"/>
-              </a:defRPr>
-            </a:lvl5pPr>
-            <a:lvl6pPr marL="2514600" indent="-228600" algn="l" defTabSz="914400" rtl="0" eaLnBrk="1" latinLnBrk="0" hangingPunct="1">
-              <a:spcBef>
-                <a:spcPct val="20000"/>
-              </a:spcBef>
-              <a:buFont typeface="Arial" pitchFamily="34" charset="0"/>
-              <a:buChar char="•"/>
-              <a:defRPr sz="2000" kern="1200">
-                <a:solidFill>
-                  <a:schemeClr val="tx1"/>
-                </a:solidFill>
-                <a:latin typeface="+mn-lt"/>
-                <a:ea typeface="+mn-ea"/>
-                <a:cs typeface="+mn-cs"/>
-              </a:defRPr>
-            </a:lvl6pPr>
-            <a:lvl7pPr marL="2971800" indent="-228600" algn="l" defTabSz="914400" rtl="0" eaLnBrk="1" latinLnBrk="0" hangingPunct="1">
-              <a:spcBef>
-                <a:spcPct val="20000"/>
-              </a:spcBef>
-              <a:buFont typeface="Arial" pitchFamily="34" charset="0"/>
-              <a:buChar char="•"/>
-              <a:defRPr sz="2000" kern="1200">
-                <a:solidFill>
-                  <a:schemeClr val="tx1"/>
-                </a:solidFill>
-                <a:latin typeface="+mn-lt"/>
-                <a:ea typeface="+mn-ea"/>
-                <a:cs typeface="+mn-cs"/>
-              </a:defRPr>
-            </a:lvl7pPr>
-            <a:lvl8pPr marL="3429000" indent="-228600" algn="l" defTabSz="914400" rtl="0" eaLnBrk="1" latinLnBrk="0" hangingPunct="1">
-              <a:spcBef>
-                <a:spcPct val="20000"/>
-              </a:spcBef>
-              <a:buFont typeface="Arial" pitchFamily="34" charset="0"/>
-              <a:buChar char="•"/>
-              <a:defRPr sz="2000" kern="1200">
-                <a:solidFill>
-                  <a:schemeClr val="tx1"/>
-                </a:solidFill>
-                <a:latin typeface="+mn-lt"/>
-                <a:ea typeface="+mn-ea"/>
-                <a:cs typeface="+mn-cs"/>
-              </a:defRPr>
-            </a:lvl8pPr>
-            <a:lvl9pPr marL="3886200" indent="-228600" algn="l" defTabSz="914400" rtl="0" eaLnBrk="1" latinLnBrk="0" hangingPunct="1">
-              <a:spcBef>
-                <a:spcPct val="20000"/>
-              </a:spcBef>
-              <a:buFont typeface="Arial" pitchFamily="34" charset="0"/>
-              <a:buChar char="•"/>
-              <a:defRPr sz="2000" kern="1200">
-                <a:solidFill>
-                  <a:schemeClr val="tx1"/>
-                </a:solidFill>
-                <a:latin typeface="+mn-lt"/>
-                <a:ea typeface="+mn-ea"/>
-                <a:cs typeface="+mn-cs"/>
-              </a:defRPr>
-            </a:lvl9pPr>
-          </a:lstStyle>
-          <a:p>
-            <a:pPr marL="0" indent="0">
-              <a:buNone/>
-            </a:pPr>
-            <a:r>
-              <a:rPr lang="hu-HU" sz="1260" dirty="0" err="1"/>
-              <a:t>$.ajax</a:t>
-            </a:r>
-            <a:r>
-              <a:rPr lang="hu-HU" sz="1260" dirty="0"/>
-              <a:t>({</a:t>
-            </a:r>
-          </a:p>
-          <a:p>
-            <a:pPr marL="0" indent="0">
-              <a:buNone/>
-            </a:pPr>
-            <a:r>
-              <a:rPr lang="hu-HU" sz="1260" dirty="0"/>
-              <a:t>	</a:t>
-            </a:r>
-            <a:r>
-              <a:rPr lang="hu-HU" sz="1260" dirty="0" err="1"/>
-              <a:t>url</a:t>
-            </a:r>
-            <a:r>
-              <a:rPr lang="hu-HU" sz="1260" dirty="0"/>
-              <a:t> </a:t>
-            </a:r>
-            <a:r>
-              <a:rPr lang="hu-HU" sz="1260" dirty="0"/>
-              <a:t>: '</a:t>
-            </a:r>
-            <a:r>
-              <a:rPr lang="hu-HU" sz="1260" dirty="0" err="1"/>
-              <a:t>HelloWorldAjaxServletWithParam</a:t>
-            </a:r>
-            <a:r>
-              <a:rPr lang="hu-HU" sz="1260" dirty="0"/>
-              <a:t>',</a:t>
-            </a:r>
-          </a:p>
-          <a:p>
-            <a:pPr marL="0" indent="0">
-              <a:buNone/>
-            </a:pPr>
-            <a:r>
-              <a:rPr lang="hu-HU" sz="1260" dirty="0"/>
-              <a:t>	</a:t>
-            </a:r>
-            <a:r>
-              <a:rPr lang="hu-HU" sz="1260" dirty="0" err="1"/>
-              <a:t>method</a:t>
-            </a:r>
-            <a:r>
-              <a:rPr lang="hu-HU" sz="1260" dirty="0"/>
-              <a:t> </a:t>
-            </a:r>
-            <a:r>
-              <a:rPr lang="hu-HU" sz="1260" dirty="0"/>
-              <a:t>: "POST",</a:t>
-            </a:r>
-          </a:p>
-          <a:p>
-            <a:pPr marL="0" indent="0">
-              <a:buNone/>
-            </a:pPr>
-            <a:r>
-              <a:rPr lang="hu-HU" sz="1260" dirty="0"/>
-              <a:t>	</a:t>
-            </a:r>
-            <a:r>
-              <a:rPr lang="hu-HU" sz="1260" dirty="0" err="1"/>
-              <a:t>data</a:t>
-            </a:r>
-            <a:r>
-              <a:rPr lang="hu-HU" sz="1260" dirty="0"/>
-              <a:t> </a:t>
-            </a:r>
-            <a:r>
-              <a:rPr lang="hu-HU" sz="1260" dirty="0"/>
-              <a:t>: {</a:t>
-            </a:r>
-          </a:p>
-          <a:p>
-            <a:pPr marL="0" indent="0">
-              <a:buNone/>
-            </a:pPr>
-            <a:r>
-              <a:rPr lang="hu-HU" sz="1260" dirty="0"/>
-              <a:t>	</a:t>
-            </a:r>
-            <a:r>
-              <a:rPr lang="hu-HU" sz="1260" dirty="0" err="1"/>
-              <a:t>message</a:t>
-            </a:r>
-            <a:r>
-              <a:rPr lang="hu-HU" sz="1260" dirty="0"/>
-              <a:t> </a:t>
-            </a:r>
-            <a:r>
-              <a:rPr lang="hu-HU" sz="1260" dirty="0"/>
-              <a:t>: $("#</a:t>
-            </a:r>
-            <a:r>
-              <a:rPr lang="hu-HU" sz="1260" dirty="0" err="1"/>
-              <a:t>message</a:t>
-            </a:r>
-            <a:r>
-              <a:rPr lang="hu-HU" sz="1260" dirty="0"/>
-              <a:t>").</a:t>
-            </a:r>
-            <a:r>
-              <a:rPr lang="hu-HU" sz="1260" dirty="0" err="1"/>
-              <a:t>val</a:t>
-            </a:r>
-            <a:r>
-              <a:rPr lang="hu-HU" sz="1260" dirty="0"/>
+        <p:spPr/>
+        <p:txBody>
+          <a:bodyPr/>
+          <a:lstStyle/>
+          <a:p>
+            <a:r>
+              <a:rPr lang="hu-HU" dirty="0"/>
+              <a:t>.</a:t>
+            </a:r>
+            <a:r>
+              <a:rPr lang="hu-HU" dirty="0" err="1"/>
+              <a:t>ready</a:t>
+            </a:r>
+            <a:r>
+              <a:rPr lang="hu-HU" dirty="0"/>
               <a:t>()</a:t>
             </a:r>
           </a:p>
           <a:p>
-            <a:pPr marL="0" indent="0">
-              <a:buNone/>
-            </a:pPr>
-            <a:r>
-              <a:rPr lang="hu-HU" sz="1260" dirty="0"/>
-              <a:t>	},</a:t>
-            </a:r>
-            <a:r>
-              <a:rPr lang="hu-HU" sz="1260" dirty="0" err="1"/>
-              <a:t>success</a:t>
-            </a:r>
-            <a:r>
-              <a:rPr lang="hu-HU" sz="1260" dirty="0"/>
-              <a:t> </a:t>
-            </a:r>
-            <a:r>
-              <a:rPr lang="hu-HU" sz="1260" dirty="0"/>
-              <a:t>: </a:t>
-            </a:r>
-            <a:r>
-              <a:rPr lang="hu-HU" sz="1260" dirty="0" err="1"/>
-              <a:t>function</a:t>
-            </a:r>
-            <a:r>
-              <a:rPr lang="hu-HU" sz="1260" dirty="0"/>
-              <a:t>(</a:t>
-            </a:r>
-            <a:r>
-              <a:rPr lang="hu-HU" sz="1260" dirty="0" err="1"/>
-              <a:t>data</a:t>
-            </a:r>
-            <a:r>
-              <a:rPr lang="hu-HU" sz="1260" dirty="0"/>
-              <a:t>) {</a:t>
-            </a:r>
-          </a:p>
-          <a:p>
-            <a:pPr marL="0" indent="0">
-              <a:buNone/>
-            </a:pPr>
-            <a:r>
-              <a:rPr lang="hu-HU" sz="1260" dirty="0"/>
-              <a:t>		$("#</a:t>
-            </a:r>
-            <a:r>
-              <a:rPr lang="hu-HU" sz="1260" dirty="0" err="1"/>
-              <a:t>result</a:t>
-            </a:r>
-            <a:r>
-              <a:rPr lang="hu-HU" sz="1260" dirty="0"/>
-              <a:t>").</a:t>
-            </a:r>
-            <a:r>
-              <a:rPr lang="hu-HU" sz="1260" dirty="0" err="1"/>
-              <a:t>html</a:t>
-            </a:r>
-            <a:r>
-              <a:rPr lang="hu-HU" sz="1260" dirty="0"/>
-              <a:t>(</a:t>
-            </a:r>
-            <a:r>
-              <a:rPr lang="hu-HU" sz="1260" dirty="0" err="1"/>
-              <a:t>data</a:t>
-            </a:r>
-            <a:r>
-              <a:rPr lang="hu-HU" sz="1260" dirty="0"/>
-              <a:t>);</a:t>
-            </a:r>
-          </a:p>
-          <a:p>
-            <a:pPr marL="0" indent="0">
-              <a:buNone/>
-            </a:pPr>
-            <a:r>
-              <a:rPr lang="hu-HU" sz="1260" dirty="0"/>
-              <a:t>	},</a:t>
-            </a:r>
-            <a:r>
-              <a:rPr lang="hu-HU" sz="1260" dirty="0" err="1"/>
-              <a:t>dataType</a:t>
-            </a:r>
-            <a:r>
-              <a:rPr lang="hu-HU" sz="1260" dirty="0"/>
-              <a:t> </a:t>
-            </a:r>
-            <a:r>
-              <a:rPr lang="hu-HU" sz="1260" dirty="0"/>
-              <a:t>: "</a:t>
-            </a:r>
-            <a:r>
-              <a:rPr lang="hu-HU" sz="1260" dirty="0" err="1"/>
-              <a:t>html</a:t>
-            </a:r>
-            <a:r>
-              <a:rPr lang="hu-HU" sz="1260" dirty="0"/>
-              <a:t>"</a:t>
-            </a:r>
-          </a:p>
-          <a:p>
-            <a:pPr marL="0" indent="0">
-              <a:buNone/>
-            </a:pPr>
-            <a:r>
-              <a:rPr lang="hu-HU" sz="1260" dirty="0"/>
-              <a:t>	});</a:t>
-            </a:r>
-            <a:endParaRPr lang="en-US" sz="1260" dirty="0"/>
+            <a:r>
+              <a:rPr lang="hu-HU" dirty="0" smtClean="0"/>
+              <a:t>.</a:t>
+            </a:r>
+            <a:r>
+              <a:rPr lang="hu-HU" dirty="0" err="1"/>
+              <a:t>click</a:t>
+            </a:r>
+            <a:r>
+              <a:rPr lang="hu-HU" dirty="0" smtClean="0"/>
+              <a:t>()</a:t>
+            </a:r>
+          </a:p>
+          <a:p>
+            <a:r>
+              <a:rPr lang="hu-HU" dirty="0"/>
+              <a:t>.</a:t>
+            </a:r>
+            <a:r>
+              <a:rPr lang="hu-HU" dirty="0" err="1"/>
+              <a:t>change</a:t>
+            </a:r>
+            <a:r>
+              <a:rPr lang="hu-HU" dirty="0" smtClean="0"/>
+              <a:t>()</a:t>
+            </a:r>
+          </a:p>
+          <a:p>
+            <a:r>
+              <a:rPr lang="hu-HU" dirty="0"/>
+              <a:t>.</a:t>
+            </a:r>
+            <a:r>
+              <a:rPr lang="hu-HU" dirty="0" err="1"/>
+              <a:t>focus</a:t>
+            </a:r>
+            <a:r>
+              <a:rPr lang="hu-HU" dirty="0" smtClean="0"/>
+              <a:t>()</a:t>
+            </a:r>
+          </a:p>
+          <a:p>
+            <a:r>
+              <a:rPr lang="hu-HU" dirty="0"/>
+              <a:t>.</a:t>
+            </a:r>
+            <a:r>
+              <a:rPr lang="hu-HU" dirty="0" err="1"/>
+              <a:t>keypress</a:t>
+            </a:r>
+            <a:r>
+              <a:rPr lang="hu-HU" dirty="0"/>
+              <a:t>()</a:t>
+            </a:r>
           </a:p>
         </p:txBody>
       </p:sp>
     </p:spTree>
     <p:extLst>
       <p:ext uri="{BB962C8B-B14F-4D97-AF65-F5344CB8AC3E}">
-        <p14:creationId xmlns:p14="http://schemas.microsoft.com/office/powerpoint/2010/main" val="1286950890"/>
+        <p14:creationId xmlns:p14="http://schemas.microsoft.com/office/powerpoint/2010/main" val="1310805406"/>
+      </p:ext>
+    </p:extLst>
+  </p:cSld>
+  <p:clrMapOvr>
+    <a:masterClrMapping/>
+  </p:clrMapOvr>
+  <p:timing>
+    <p:tnLst>
+      <p:par>
+        <p:cTn id="1" dur="indefinite" restart="never" nodeType="tmRoot"/>
+      </p:par>
+    </p:tnLst>
+  </p:timing>
+</p:sld>
+</file>
+
+<file path=ppt/slides/slide6.xml><?xml version="1.0" encoding="utf-8"?>
+<p:sld xmlns:a="http://schemas.openxmlformats.org/drawingml/2006/main" xmlns:r="http://schemas.openxmlformats.org/officeDocument/2006/relationships" xmlns:p="http://schemas.openxmlformats.org/presentationml/2006/main">
+  <p:cSld>
+    <p:spTree>
+      <p:nvGrpSpPr>
+        <p:cNvPr id="1" name=""/>
+        <p:cNvGrpSpPr/>
+        <p:nvPr/>
+      </p:nvGrpSpPr>
+      <p:grpSpPr>
+        <a:xfrm>
+          <a:off x="0" y="0"/>
+          <a:ext cx="0" cy="0"/>
+          <a:chOff x="0" y="0"/>
+          <a:chExt cx="0" cy="0"/>
+        </a:xfrm>
+      </p:grpSpPr>
+      <p:sp>
+        <p:nvSpPr>
+          <p:cNvPr id="2" name="Cím 1"/>
+          <p:cNvSpPr>
+            <a:spLocks noGrp="1"/>
+          </p:cNvSpPr>
+          <p:nvPr>
+            <p:ph type="title"/>
+          </p:nvPr>
+        </p:nvSpPr>
+        <p:spPr>
+          <a:xfrm>
+            <a:off x="628650" y="521818"/>
+            <a:ext cx="7886700" cy="994172"/>
+          </a:xfrm>
+        </p:spPr>
+        <p:txBody>
+          <a:bodyPr>
+            <a:normAutofit/>
+          </a:bodyPr>
+          <a:lstStyle/>
+          <a:p>
+            <a:r>
+              <a:rPr lang="hu-HU" dirty="0" err="1"/>
+              <a:t>Traversal</a:t>
+            </a:r>
+            <a:endParaRPr lang="hu-HU" dirty="0"/>
+          </a:p>
+        </p:txBody>
+      </p:sp>
+      <p:sp>
+        <p:nvSpPr>
+          <p:cNvPr id="3" name="Tartalom helye 2"/>
+          <p:cNvSpPr>
+            <a:spLocks noGrp="1"/>
+          </p:cNvSpPr>
+          <p:nvPr>
+            <p:ph idx="1"/>
+          </p:nvPr>
+        </p:nvSpPr>
+        <p:spPr/>
+        <p:txBody>
+          <a:bodyPr>
+            <a:normAutofit/>
+          </a:bodyPr>
+          <a:lstStyle/>
+          <a:p>
+            <a:r>
+              <a:rPr lang="en-US" dirty="0"/>
+              <a:t>.parent()</a:t>
+            </a:r>
+          </a:p>
+          <a:p>
+            <a:r>
+              <a:rPr lang="en-US" dirty="0"/>
+              <a:t>.siblings()</a:t>
+            </a:r>
+          </a:p>
+          <a:p>
+            <a:r>
+              <a:rPr lang="en-US" dirty="0"/>
+              <a:t>.children()</a:t>
+            </a:r>
+          </a:p>
+          <a:p>
+            <a:r>
+              <a:rPr lang="en-US" dirty="0"/>
+              <a:t>.find()</a:t>
+            </a:r>
+          </a:p>
+          <a:p>
+            <a:r>
+              <a:rPr lang="en-US" dirty="0"/>
+              <a:t>.filter()</a:t>
+            </a:r>
+          </a:p>
+          <a:p>
+            <a:pPr marL="0" indent="0">
+              <a:buNone/>
+            </a:pPr>
+            <a:endParaRPr lang="hu-HU" dirty="0"/>
+          </a:p>
+        </p:txBody>
+      </p:sp>
+    </p:spTree>
+    <p:extLst>
+      <p:ext uri="{BB962C8B-B14F-4D97-AF65-F5344CB8AC3E}">
+        <p14:creationId xmlns:p14="http://schemas.microsoft.com/office/powerpoint/2010/main" val="4130262447"/>
+      </p:ext>
+    </p:extLst>
+  </p:cSld>
+  <p:clrMapOvr>
+    <a:masterClrMapping/>
+  </p:clrMapOvr>
+  <p:timing>
+    <p:tnLst>
+      <p:par>
+        <p:cTn id="1" dur="indefinite" restart="never" nodeType="tmRoot"/>
+      </p:par>
+    </p:tnLst>
+  </p:timing>
+</p:sld>
+</file>
+
+<file path=ppt/slides/slide7.xml><?xml version="1.0" encoding="utf-8"?>
+<p:sld xmlns:a="http://schemas.openxmlformats.org/drawingml/2006/main" xmlns:r="http://schemas.openxmlformats.org/officeDocument/2006/relationships" xmlns:p="http://schemas.openxmlformats.org/presentationml/2006/main">
+  <p:cSld>
+    <p:spTree>
+      <p:nvGrpSpPr>
+        <p:cNvPr id="1" name=""/>
+        <p:cNvGrpSpPr/>
+        <p:nvPr/>
+      </p:nvGrpSpPr>
+      <p:grpSpPr>
+        <a:xfrm>
+          <a:off x="0" y="0"/>
+          <a:ext cx="0" cy="0"/>
+          <a:chOff x="0" y="0"/>
+          <a:chExt cx="0" cy="0"/>
+        </a:xfrm>
+      </p:grpSpPr>
+      <p:sp>
+        <p:nvSpPr>
+          <p:cNvPr id="2" name="Cím 1"/>
+          <p:cNvSpPr>
+            <a:spLocks noGrp="1"/>
+          </p:cNvSpPr>
+          <p:nvPr>
+            <p:ph type="title"/>
+          </p:nvPr>
+        </p:nvSpPr>
+        <p:spPr>
+          <a:xfrm>
+            <a:off x="628650" y="537317"/>
+            <a:ext cx="7886700" cy="994172"/>
+          </a:xfrm>
+        </p:spPr>
+        <p:txBody>
+          <a:bodyPr>
+            <a:normAutofit/>
+          </a:bodyPr>
+          <a:lstStyle/>
+          <a:p>
+            <a:r>
+              <a:rPr lang="hu-HU" dirty="0" err="1" smtClean="0"/>
+              <a:t>Events</a:t>
+            </a:r>
+            <a:endParaRPr lang="hu-HU" dirty="0"/>
+          </a:p>
+        </p:txBody>
+      </p:sp>
+      <p:sp>
+        <p:nvSpPr>
+          <p:cNvPr id="3" name="Tartalom helye 2"/>
+          <p:cNvSpPr>
+            <a:spLocks noGrp="1"/>
+          </p:cNvSpPr>
+          <p:nvPr>
+            <p:ph idx="1"/>
+          </p:nvPr>
+        </p:nvSpPr>
+        <p:spPr/>
+        <p:txBody>
+          <a:bodyPr>
+            <a:normAutofit/>
+          </a:bodyPr>
+          <a:lstStyle/>
+          <a:p>
+            <a:r>
+              <a:rPr lang="en-US" dirty="0"/>
+              <a:t>.click</a:t>
+            </a:r>
+            <a:r>
+              <a:rPr lang="en-US" dirty="0" smtClean="0"/>
+              <a:t>()</a:t>
+            </a:r>
+            <a:endParaRPr lang="hu-HU" dirty="0" smtClean="0"/>
+          </a:p>
+          <a:p>
+            <a:r>
+              <a:rPr lang="en-US" dirty="0"/>
+              <a:t>.</a:t>
+            </a:r>
+            <a:r>
+              <a:rPr lang="en-US" dirty="0" err="1"/>
+              <a:t>dblclick</a:t>
+            </a:r>
+            <a:r>
+              <a:rPr lang="en-US" dirty="0"/>
+              <a:t>()</a:t>
+            </a:r>
+          </a:p>
+          <a:p>
+            <a:r>
+              <a:rPr lang="en-US" dirty="0" smtClean="0"/>
+              <a:t>.</a:t>
+            </a:r>
+            <a:r>
+              <a:rPr lang="en-US" dirty="0"/>
+              <a:t>focus</a:t>
+            </a:r>
+            <a:r>
+              <a:rPr lang="en-US" dirty="0" smtClean="0"/>
+              <a:t>()</a:t>
+            </a:r>
+            <a:endParaRPr lang="hu-HU" dirty="0"/>
+          </a:p>
+          <a:p>
+            <a:r>
+              <a:rPr lang="hu-HU" smtClean="0"/>
+              <a:t>.</a:t>
+            </a:r>
+            <a:r>
+              <a:rPr lang="hu-HU" dirty="0" err="1"/>
+              <a:t>keydown</a:t>
+            </a:r>
+            <a:r>
+              <a:rPr lang="hu-HU" dirty="0"/>
+              <a:t>()</a:t>
+            </a:r>
+          </a:p>
+        </p:txBody>
+      </p:sp>
+    </p:spTree>
+    <p:extLst>
+      <p:ext uri="{BB962C8B-B14F-4D97-AF65-F5344CB8AC3E}">
+        <p14:creationId xmlns:p14="http://schemas.microsoft.com/office/powerpoint/2010/main" val="2262801609"/>
+      </p:ext>
+    </p:extLst>
+  </p:cSld>
+  <p:clrMapOvr>
+    <a:masterClrMapping/>
+  </p:clrMapOvr>
+  <p:timing>
+    <p:tnLst>
+      <p:par>
+        <p:cTn id="1" dur="indefinite" restart="never" nodeType="tmRoot"/>
+      </p:par>
+    </p:tnLst>
+  </p:timing>
+</p:sld>
+</file>
+
+<file path=ppt/slides/slide8.xml><?xml version="1.0" encoding="utf-8"?>
+<p:sld xmlns:a="http://schemas.openxmlformats.org/drawingml/2006/main" xmlns:r="http://schemas.openxmlformats.org/officeDocument/2006/relationships" xmlns:p="http://schemas.openxmlformats.org/presentationml/2006/main">
+  <p:cSld>
+    <p:spTree>
+      <p:nvGrpSpPr>
+        <p:cNvPr id="1" name=""/>
+        <p:cNvGrpSpPr/>
+        <p:nvPr/>
+      </p:nvGrpSpPr>
+      <p:grpSpPr>
+        <a:xfrm>
+          <a:off x="0" y="0"/>
+          <a:ext cx="0" cy="0"/>
+          <a:chOff x="0" y="0"/>
+          <a:chExt cx="0" cy="0"/>
+        </a:xfrm>
+      </p:grpSpPr>
+      <p:sp>
+        <p:nvSpPr>
+          <p:cNvPr id="2" name="Cím 1"/>
+          <p:cNvSpPr>
+            <a:spLocks noGrp="1"/>
+          </p:cNvSpPr>
+          <p:nvPr>
+            <p:ph type="title"/>
+          </p:nvPr>
+        </p:nvSpPr>
+        <p:spPr>
+          <a:xfrm>
+            <a:off x="628650" y="537316"/>
+            <a:ext cx="7886700" cy="994172"/>
+          </a:xfrm>
+        </p:spPr>
+        <p:txBody>
+          <a:bodyPr/>
+          <a:lstStyle/>
+          <a:p>
+            <a:r>
+              <a:rPr lang="hu-HU" dirty="0" err="1"/>
+              <a:t>Utilities</a:t>
+            </a:r>
+            <a:endParaRPr lang="hu-HU" dirty="0"/>
+          </a:p>
+        </p:txBody>
+      </p:sp>
+      <p:sp>
+        <p:nvSpPr>
+          <p:cNvPr id="3" name="Tartalom helye 2"/>
+          <p:cNvSpPr>
+            <a:spLocks noGrp="1"/>
+          </p:cNvSpPr>
+          <p:nvPr>
+            <p:ph idx="1"/>
+          </p:nvPr>
+        </p:nvSpPr>
+        <p:spPr/>
+        <p:txBody>
+          <a:bodyPr/>
+          <a:lstStyle/>
+          <a:p>
+            <a:r>
+              <a:rPr lang="hu-HU" dirty="0" err="1"/>
+              <a:t>jQuery.each</a:t>
+            </a:r>
+            <a:r>
+              <a:rPr lang="hu-HU" dirty="0" smtClean="0"/>
+              <a:t>()</a:t>
+            </a:r>
+          </a:p>
+          <a:p>
+            <a:r>
+              <a:rPr lang="hu-HU" dirty="0" err="1"/>
+              <a:t>jQuery.parseJSON</a:t>
+            </a:r>
+            <a:r>
+              <a:rPr lang="hu-HU" dirty="0" smtClean="0"/>
+              <a:t>()</a:t>
+            </a:r>
+          </a:p>
+          <a:p>
+            <a:r>
+              <a:rPr lang="hu-HU" dirty="0" err="1"/>
+              <a:t>jQuery.parseXML</a:t>
+            </a:r>
+            <a:r>
+              <a:rPr lang="hu-HU" dirty="0"/>
+              <a:t>()</a:t>
+            </a:r>
+          </a:p>
+        </p:txBody>
+      </p:sp>
+    </p:spTree>
+    <p:extLst>
+      <p:ext uri="{BB962C8B-B14F-4D97-AF65-F5344CB8AC3E}">
+        <p14:creationId xmlns:p14="http://schemas.microsoft.com/office/powerpoint/2010/main" val="2189014684"/>
       </p:ext>
     </p:extLst>
   </p:cSld>
